--- a/Fihirana Fanampiny/FF 37.pptx
+++ b/Fihirana Fanampiny/FF 37.pptx
@@ -118,7 +118,18 @@
   </p:defaultTextStyle>
   <p:extLst>
     <p:ext uri="{EFAFB233-063F-42B5-8137-9DF3F51BA10A}">
-      <p15:sldGuideLst xmlns:p15="http://schemas.microsoft.com/office/powerpoint/2012/main" xmlns=""/>
+      <p15:sldGuideLst xmlns:p15="http://schemas.microsoft.com/office/powerpoint/2012/main">
+        <p15:guide id="1" orient="horz" pos="2160">
+          <p15:clr>
+            <a:srgbClr val="A4A3A4"/>
+          </p15:clr>
+        </p15:guide>
+        <p15:guide id="2" pos="3840">
+          <p15:clr>
+            <a:srgbClr val="A4A3A4"/>
+          </p15:clr>
+        </p15:guide>
+      </p15:sldGuideLst>
     </p:ext>
   </p:extLst>
 </p:presentation>
@@ -255,7 +266,7 @@
           <a:p>
             <a:fld id="{C3173BA8-BE8F-4620-A3F9-0E691782E60B}" type="datetimeFigureOut">
               <a:rPr lang="fr-FR" smtClean="0"/>
-              <a:t>21/11/2014</a:t>
+              <a:t>15/06/2025</a:t>
             </a:fld>
             <a:endParaRPr lang="fr-FR"/>
           </a:p>
@@ -425,7 +436,7 @@
           <a:p>
             <a:fld id="{C3173BA8-BE8F-4620-A3F9-0E691782E60B}" type="datetimeFigureOut">
               <a:rPr lang="fr-FR" smtClean="0"/>
-              <a:t>21/11/2014</a:t>
+              <a:t>15/06/2025</a:t>
             </a:fld>
             <a:endParaRPr lang="fr-FR"/>
           </a:p>
@@ -605,7 +616,7 @@
           <a:p>
             <a:fld id="{C3173BA8-BE8F-4620-A3F9-0E691782E60B}" type="datetimeFigureOut">
               <a:rPr lang="fr-FR" smtClean="0"/>
-              <a:t>21/11/2014</a:t>
+              <a:t>15/06/2025</a:t>
             </a:fld>
             <a:endParaRPr lang="fr-FR"/>
           </a:p>
@@ -775,7 +786,7 @@
           <a:p>
             <a:fld id="{C3173BA8-BE8F-4620-A3F9-0E691782E60B}" type="datetimeFigureOut">
               <a:rPr lang="fr-FR" smtClean="0"/>
-              <a:t>21/11/2014</a:t>
+              <a:t>15/06/2025</a:t>
             </a:fld>
             <a:endParaRPr lang="fr-FR"/>
           </a:p>
@@ -1021,7 +1032,7 @@
           <a:p>
             <a:fld id="{C3173BA8-BE8F-4620-A3F9-0E691782E60B}" type="datetimeFigureOut">
               <a:rPr lang="fr-FR" smtClean="0"/>
-              <a:t>21/11/2014</a:t>
+              <a:t>15/06/2025</a:t>
             </a:fld>
             <a:endParaRPr lang="fr-FR"/>
           </a:p>
@@ -1253,7 +1264,7 @@
           <a:p>
             <a:fld id="{C3173BA8-BE8F-4620-A3F9-0E691782E60B}" type="datetimeFigureOut">
               <a:rPr lang="fr-FR" smtClean="0"/>
-              <a:t>21/11/2014</a:t>
+              <a:t>15/06/2025</a:t>
             </a:fld>
             <a:endParaRPr lang="fr-FR"/>
           </a:p>
@@ -1620,7 +1631,7 @@
           <a:p>
             <a:fld id="{C3173BA8-BE8F-4620-A3F9-0E691782E60B}" type="datetimeFigureOut">
               <a:rPr lang="fr-FR" smtClean="0"/>
-              <a:t>21/11/2014</a:t>
+              <a:t>15/06/2025</a:t>
             </a:fld>
             <a:endParaRPr lang="fr-FR"/>
           </a:p>
@@ -1738,7 +1749,7 @@
           <a:p>
             <a:fld id="{C3173BA8-BE8F-4620-A3F9-0E691782E60B}" type="datetimeFigureOut">
               <a:rPr lang="fr-FR" smtClean="0"/>
-              <a:t>21/11/2014</a:t>
+              <a:t>15/06/2025</a:t>
             </a:fld>
             <a:endParaRPr lang="fr-FR"/>
           </a:p>
@@ -1833,7 +1844,7 @@
           <a:p>
             <a:fld id="{C3173BA8-BE8F-4620-A3F9-0E691782E60B}" type="datetimeFigureOut">
               <a:rPr lang="fr-FR" smtClean="0"/>
-              <a:t>21/11/2014</a:t>
+              <a:t>15/06/2025</a:t>
             </a:fld>
             <a:endParaRPr lang="fr-FR"/>
           </a:p>
@@ -2110,7 +2121,7 @@
           <a:p>
             <a:fld id="{C3173BA8-BE8F-4620-A3F9-0E691782E60B}" type="datetimeFigureOut">
               <a:rPr lang="fr-FR" smtClean="0"/>
-              <a:t>21/11/2014</a:t>
+              <a:t>15/06/2025</a:t>
             </a:fld>
             <a:endParaRPr lang="fr-FR"/>
           </a:p>
@@ -2363,7 +2374,7 @@
           <a:p>
             <a:fld id="{C3173BA8-BE8F-4620-A3F9-0E691782E60B}" type="datetimeFigureOut">
               <a:rPr lang="fr-FR" smtClean="0"/>
-              <a:t>21/11/2014</a:t>
+              <a:t>15/06/2025</a:t>
             </a:fld>
             <a:endParaRPr lang="fr-FR"/>
           </a:p>
@@ -2576,7 +2587,7 @@
           <a:p>
             <a:fld id="{C3173BA8-BE8F-4620-A3F9-0E691782E60B}" type="datetimeFigureOut">
               <a:rPr lang="fr-FR" smtClean="0"/>
-              <a:t>21/11/2014</a:t>
+              <a:t>15/06/2025</a:t>
             </a:fld>
             <a:endParaRPr lang="fr-FR"/>
           </a:p>
@@ -3153,10 +3164,16 @@
           <a:p>
             <a:pPr algn="ctr"/>
             <a:r>
+              <a:rPr lang="fr-FR" sz="6600" b="1" dirty="0">
+                <a:latin typeface="Comic Sans MS" panose="030F0702030302020204" pitchFamily="66" charset="0"/>
+              </a:rPr>
+              <a:t>3</a:t>
+            </a:r>
+            <a:r>
               <a:rPr lang="fr-FR" sz="6600" b="1" dirty="0" smtClean="0">
                 <a:latin typeface="Comic Sans MS" panose="030F0702030302020204" pitchFamily="66" charset="0"/>
               </a:rPr>
-              <a:t>1.Ny </a:t>
+              <a:t>.Ny </a:t>
             </a:r>
             <a:r>
               <a:rPr lang="fr-FR" sz="6600" b="1" dirty="0" err="1" smtClean="0">
@@ -6556,7 +6573,7 @@
   <a:extraClrSchemeLst/>
   <a:extLst>
     <a:ext uri="{05A4C25C-085E-4340-85A3-A5531E510DB2}">
-      <thm15:themeFamily xmlns:thm15="http://schemas.microsoft.com/office/thememl/2012/main" xmlns="" name="Office Theme" id="{62F939B6-93AF-4DB8-9C6B-D6C7DFDC589F}" vid="{4A3C46E8-61CC-4603-A589-7422A47A8E4A}"/>
+      <thm15:themeFamily xmlns:thm15="http://schemas.microsoft.com/office/thememl/2012/main" name="Office Theme" id="{62F939B6-93AF-4DB8-9C6B-D6C7DFDC589F}" vid="{4A3C46E8-61CC-4603-A589-7422A47A8E4A}"/>
     </a:ext>
   </a:extLst>
 </a:theme>
